--- a/experiments/exp1/static/images/$2.80/task_images.pptx
+++ b/experiments/exp1/static/images/$2.80/task_images.pptx
@@ -200,7 +200,7 @@
           <a:p>
             <a:fld id="{BA5244EF-28E7-0A45-8901-03971ADBA9CA}" type="datetimeFigureOut">
               <a:rPr lang="en-US" smtClean="0"/>
-              <a:t>5/27/17</a:t>
+              <a:t>5/28/17</a:t>
             </a:fld>
             <a:endParaRPr lang="en-US"/>
           </a:p>
@@ -599,7 +599,7 @@
           <a:p>
             <a:fld id="{FF930661-F093-4B49-A715-DBEF4BE1F4CF}" type="datetimeFigureOut">
               <a:rPr lang="en-US" smtClean="0"/>
-              <a:t>5/27/17</a:t>
+              <a:t>5/28/17</a:t>
             </a:fld>
             <a:endParaRPr lang="en-US"/>
           </a:p>
@@ -764,7 +764,7 @@
           <a:p>
             <a:fld id="{FF930661-F093-4B49-A715-DBEF4BE1F4CF}" type="datetimeFigureOut">
               <a:rPr lang="en-US" smtClean="0"/>
-              <a:t>5/27/17</a:t>
+              <a:t>5/28/17</a:t>
             </a:fld>
             <a:endParaRPr lang="en-US"/>
           </a:p>
@@ -939,7 +939,7 @@
           <a:p>
             <a:fld id="{FF930661-F093-4B49-A715-DBEF4BE1F4CF}" type="datetimeFigureOut">
               <a:rPr lang="en-US" smtClean="0"/>
-              <a:t>5/27/17</a:t>
+              <a:t>5/28/17</a:t>
             </a:fld>
             <a:endParaRPr lang="en-US"/>
           </a:p>
@@ -1104,7 +1104,7 @@
           <a:p>
             <a:fld id="{FF930661-F093-4B49-A715-DBEF4BE1F4CF}" type="datetimeFigureOut">
               <a:rPr lang="en-US" smtClean="0"/>
-              <a:t>5/27/17</a:t>
+              <a:t>5/28/17</a:t>
             </a:fld>
             <a:endParaRPr lang="en-US"/>
           </a:p>
@@ -1345,7 +1345,7 @@
           <a:p>
             <a:fld id="{FF930661-F093-4B49-A715-DBEF4BE1F4CF}" type="datetimeFigureOut">
               <a:rPr lang="en-US" smtClean="0"/>
-              <a:t>5/27/17</a:t>
+              <a:t>5/28/17</a:t>
             </a:fld>
             <a:endParaRPr lang="en-US"/>
           </a:p>
@@ -1572,7 +1572,7 @@
           <a:p>
             <a:fld id="{FF930661-F093-4B49-A715-DBEF4BE1F4CF}" type="datetimeFigureOut">
               <a:rPr lang="en-US" smtClean="0"/>
-              <a:t>5/27/17</a:t>
+              <a:t>5/28/17</a:t>
             </a:fld>
             <a:endParaRPr lang="en-US"/>
           </a:p>
@@ -1934,7 +1934,7 @@
           <a:p>
             <a:fld id="{FF930661-F093-4B49-A715-DBEF4BE1F4CF}" type="datetimeFigureOut">
               <a:rPr lang="en-US" smtClean="0"/>
-              <a:t>5/27/17</a:t>
+              <a:t>5/28/17</a:t>
             </a:fld>
             <a:endParaRPr lang="en-US"/>
           </a:p>
@@ -2047,7 +2047,7 @@
           <a:p>
             <a:fld id="{FF930661-F093-4B49-A715-DBEF4BE1F4CF}" type="datetimeFigureOut">
               <a:rPr lang="en-US" smtClean="0"/>
-              <a:t>5/27/17</a:t>
+              <a:t>5/28/17</a:t>
             </a:fld>
             <a:endParaRPr lang="en-US"/>
           </a:p>
@@ -2137,7 +2137,7 @@
           <a:p>
             <a:fld id="{FF930661-F093-4B49-A715-DBEF4BE1F4CF}" type="datetimeFigureOut">
               <a:rPr lang="en-US" smtClean="0"/>
-              <a:t>5/27/17</a:t>
+              <a:t>5/28/17</a:t>
             </a:fld>
             <a:endParaRPr lang="en-US"/>
           </a:p>
@@ -2409,7 +2409,7 @@
           <a:p>
             <a:fld id="{FF930661-F093-4B49-A715-DBEF4BE1F4CF}" type="datetimeFigureOut">
               <a:rPr lang="en-US" smtClean="0"/>
-              <a:t>5/27/17</a:t>
+              <a:t>5/28/17</a:t>
             </a:fld>
             <a:endParaRPr lang="en-US"/>
           </a:p>
@@ -2661,7 +2661,7 @@
           <a:p>
             <a:fld id="{FF930661-F093-4B49-A715-DBEF4BE1F4CF}" type="datetimeFigureOut">
               <a:rPr lang="en-US" smtClean="0"/>
-              <a:t>5/27/17</a:t>
+              <a:t>5/28/17</a:t>
             </a:fld>
             <a:endParaRPr lang="en-US"/>
           </a:p>
@@ -2869,7 +2869,7 @@
           <a:p>
             <a:fld id="{FF930661-F093-4B49-A715-DBEF4BE1F4CF}" type="datetimeFigureOut">
               <a:rPr lang="en-US" smtClean="0"/>
-              <a:t>5/27/17</a:t>
+              <a:t>5/28/17</a:t>
             </a:fld>
             <a:endParaRPr lang="en-US"/>
           </a:p>
@@ -4726,7 +4726,7 @@
         <p:spPr>
           <a:xfrm>
             <a:off x="212563" y="131235"/>
-            <a:ext cx="2143536" cy="523220"/>
+            <a:ext cx="2343911" cy="523220"/>
           </a:xfrm>
           <a:prstGeom prst="rect">
             <a:avLst/>
@@ -4745,7 +4745,7 @@
                 <a:ea typeface="Helvetica" charset="0"/>
                 <a:cs typeface="Helvetica" charset="0"/>
               </a:rPr>
-              <a:t>Round: 1 / 8</a:t>
+              <a:t>Round: 1 / 12</a:t>
             </a:r>
             <a:endParaRPr lang="en-US" sz="2800" dirty="0">
               <a:latin typeface="Helvetica" charset="0"/>
@@ -5133,7 +5133,7 @@
         <p:spPr>
           <a:xfrm>
             <a:off x="212563" y="131235"/>
-            <a:ext cx="2143536" cy="523220"/>
+            <a:ext cx="2343911" cy="523220"/>
           </a:xfrm>
           <a:prstGeom prst="rect">
             <a:avLst/>
@@ -5152,7 +5152,7 @@
                 <a:ea typeface="Helvetica" charset="0"/>
                 <a:cs typeface="Helvetica" charset="0"/>
               </a:rPr>
-              <a:t>Round: 1 / 8</a:t>
+              <a:t>Round: 1 / 12</a:t>
             </a:r>
             <a:endParaRPr lang="en-US" sz="2800" dirty="0">
               <a:latin typeface="Helvetica" charset="0"/>
@@ -5783,7 +5783,7 @@
         <p:spPr>
           <a:xfrm>
             <a:off x="212563" y="131235"/>
-            <a:ext cx="2143536" cy="523220"/>
+            <a:ext cx="2343911" cy="523220"/>
           </a:xfrm>
           <a:prstGeom prst="rect">
             <a:avLst/>
@@ -5802,7 +5802,7 @@
                 <a:ea typeface="Helvetica" charset="0"/>
                 <a:cs typeface="Helvetica" charset="0"/>
               </a:rPr>
-              <a:t>Round: 1 / 8</a:t>
+              <a:t>Round: 1 / 12</a:t>
             </a:r>
             <a:endParaRPr lang="en-US" sz="2800" dirty="0">
               <a:latin typeface="Helvetica" charset="0"/>
@@ -5860,142 +5860,6 @@
                 <a:schemeClr val="accent6">
                   <a:lumMod val="75000"/>
                 </a:schemeClr>
-              </a:solidFill>
-              <a:latin typeface="Helvetica" charset="0"/>
-              <a:ea typeface="Helvetica" charset="0"/>
-              <a:cs typeface="Helvetica" charset="0"/>
-            </a:endParaRPr>
-          </a:p>
-        </p:txBody>
-      </p:sp>
-      <p:sp>
-        <p:nvSpPr>
-          <p:cNvPr id="24" name="Rectangle 23"/>
-          <p:cNvSpPr/>
-          <p:nvPr/>
-        </p:nvSpPr>
-        <p:spPr>
-          <a:xfrm>
-            <a:off x="3960564" y="2098507"/>
-            <a:ext cx="4791550" cy="1186136"/>
-          </a:xfrm>
-          <a:prstGeom prst="rect">
-            <a:avLst/>
-          </a:prstGeom>
-          <a:solidFill>
-            <a:schemeClr val="bg1"/>
-          </a:solidFill>
-          <a:ln>
-            <a:noFill/>
-          </a:ln>
-        </p:spPr>
-        <p:style>
-          <a:lnRef idx="2">
-            <a:schemeClr val="accent1">
-              <a:shade val="50000"/>
-            </a:schemeClr>
-          </a:lnRef>
-          <a:fillRef idx="1">
-            <a:schemeClr val="accent1"/>
-          </a:fillRef>
-          <a:effectRef idx="0">
-            <a:schemeClr val="accent1"/>
-          </a:effectRef>
-          <a:fontRef idx="minor">
-            <a:schemeClr val="lt1"/>
-          </a:fontRef>
-        </p:style>
-        <p:txBody>
-          <a:bodyPr rtlCol="0" anchor="ctr"/>
-          <a:lstStyle/>
-          <a:p>
-            <a:pPr algn="ctr"/>
-            <a:endParaRPr lang="en-US"/>
-          </a:p>
-        </p:txBody>
-      </p:sp>
-      <p:sp>
-        <p:nvSpPr>
-          <p:cNvPr id="25" name="Rectangle 24"/>
-          <p:cNvSpPr/>
-          <p:nvPr/>
-        </p:nvSpPr>
-        <p:spPr>
-          <a:xfrm>
-            <a:off x="4026092" y="3676452"/>
-            <a:ext cx="4791550" cy="743148"/>
-          </a:xfrm>
-          <a:prstGeom prst="rect">
-            <a:avLst/>
-          </a:prstGeom>
-          <a:solidFill>
-            <a:schemeClr val="bg1"/>
-          </a:solidFill>
-          <a:ln>
-            <a:noFill/>
-          </a:ln>
-        </p:spPr>
-        <p:style>
-          <a:lnRef idx="2">
-            <a:schemeClr val="accent1">
-              <a:shade val="50000"/>
-            </a:schemeClr>
-          </a:lnRef>
-          <a:fillRef idx="1">
-            <a:schemeClr val="accent1"/>
-          </a:fillRef>
-          <a:effectRef idx="0">
-            <a:schemeClr val="accent1"/>
-          </a:effectRef>
-          <a:fontRef idx="minor">
-            <a:schemeClr val="lt1"/>
-          </a:fontRef>
-        </p:style>
-        <p:txBody>
-          <a:bodyPr rtlCol="0" anchor="ctr"/>
-          <a:lstStyle/>
-          <a:p>
-            <a:pPr algn="ctr"/>
-            <a:endParaRPr lang="en-US"/>
-          </a:p>
-        </p:txBody>
-      </p:sp>
-      <p:sp>
-        <p:nvSpPr>
-          <p:cNvPr id="26" name="TextBox 25"/>
-          <p:cNvSpPr txBox="1"/>
-          <p:nvPr/>
-        </p:nvSpPr>
-        <p:spPr>
-          <a:xfrm>
-            <a:off x="5302276" y="2491043"/>
-            <a:ext cx="2351926" cy="461665"/>
-          </a:xfrm>
-          <a:prstGeom prst="rect">
-            <a:avLst/>
-          </a:prstGeom>
-          <a:noFill/>
-        </p:spPr>
-        <p:txBody>
-          <a:bodyPr wrap="none" rtlCol="0">
-            <a:spAutoFit/>
-          </a:bodyPr>
-          <a:lstStyle/>
-          <a:p>
-            <a:r>
-              <a:rPr lang="en-US" sz="2400" b="1" dirty="0" smtClean="0">
-                <a:solidFill>
-                  <a:srgbClr val="C00000"/>
-                </a:solidFill>
-                <a:latin typeface="Helvetica" charset="0"/>
-                <a:ea typeface="Helvetica" charset="0"/>
-                <a:cs typeface="Helvetica" charset="0"/>
-              </a:rPr>
-              <a:t>Poor planning!</a:t>
-            </a:r>
-            <a:endParaRPr lang="en-US" sz="2400" b="1" dirty="0">
-              <a:solidFill>
-                <a:srgbClr val="C00000"/>
               </a:solidFill>
               <a:latin typeface="Helvetica" charset="0"/>
               <a:ea typeface="Helvetica" charset="0"/>
